--- a/docs/Software Presentation.pptx
+++ b/docs/Software Presentation.pptx
@@ -262,7 +262,7 @@
           <a:p>
             <a:fld id="{846CE7D5-CF57-46EF-B807-FDD0502418D4}" type="datetimeFigureOut">
               <a:rPr lang="en-US" smtClean="0"/>
-              <a:t>1/16/2024</a:t>
+              <a:t>1/17/2024</a:t>
             </a:fld>
             <a:endParaRPr lang="en-US"/>
           </a:p>
@@ -430,7 +430,7 @@
           <a:p>
             <a:fld id="{846CE7D5-CF57-46EF-B807-FDD0502418D4}" type="datetimeFigureOut">
               <a:rPr lang="en-US" smtClean="0"/>
-              <a:t>1/16/2024</a:t>
+              <a:t>1/17/2024</a:t>
             </a:fld>
             <a:endParaRPr lang="en-US"/>
           </a:p>
@@ -608,7 +608,7 @@
           <a:p>
             <a:fld id="{846CE7D5-CF57-46EF-B807-FDD0502418D4}" type="datetimeFigureOut">
               <a:rPr lang="en-US" smtClean="0"/>
-              <a:t>1/16/2024</a:t>
+              <a:t>1/17/2024</a:t>
             </a:fld>
             <a:endParaRPr lang="en-US"/>
           </a:p>
@@ -776,7 +776,7 @@
           <a:p>
             <a:fld id="{846CE7D5-CF57-46EF-B807-FDD0502418D4}" type="datetimeFigureOut">
               <a:rPr lang="en-US" smtClean="0"/>
-              <a:t>1/16/2024</a:t>
+              <a:t>1/17/2024</a:t>
             </a:fld>
             <a:endParaRPr lang="en-US"/>
           </a:p>
@@ -1021,7 +1021,7 @@
           <a:p>
             <a:fld id="{846CE7D5-CF57-46EF-B807-FDD0502418D4}" type="datetimeFigureOut">
               <a:rPr lang="en-US" smtClean="0"/>
-              <a:t>1/16/2024</a:t>
+              <a:t>1/17/2024</a:t>
             </a:fld>
             <a:endParaRPr lang="en-US"/>
           </a:p>
@@ -1250,7 +1250,7 @@
           <a:p>
             <a:fld id="{846CE7D5-CF57-46EF-B807-FDD0502418D4}" type="datetimeFigureOut">
               <a:rPr lang="en-US" smtClean="0"/>
-              <a:t>1/16/2024</a:t>
+              <a:t>1/17/2024</a:t>
             </a:fld>
             <a:endParaRPr lang="en-US"/>
           </a:p>
@@ -1614,7 +1614,7 @@
           <a:p>
             <a:fld id="{846CE7D5-CF57-46EF-B807-FDD0502418D4}" type="datetimeFigureOut">
               <a:rPr lang="en-US" smtClean="0"/>
-              <a:t>1/16/2024</a:t>
+              <a:t>1/17/2024</a:t>
             </a:fld>
             <a:endParaRPr lang="en-US"/>
           </a:p>
@@ -1731,7 +1731,7 @@
           <a:p>
             <a:fld id="{846CE7D5-CF57-46EF-B807-FDD0502418D4}" type="datetimeFigureOut">
               <a:rPr lang="en-US" smtClean="0"/>
-              <a:t>1/16/2024</a:t>
+              <a:t>1/17/2024</a:t>
             </a:fld>
             <a:endParaRPr lang="en-US"/>
           </a:p>
@@ -1826,7 +1826,7 @@
           <a:p>
             <a:fld id="{846CE7D5-CF57-46EF-B807-FDD0502418D4}" type="datetimeFigureOut">
               <a:rPr lang="en-US" smtClean="0"/>
-              <a:t>1/16/2024</a:t>
+              <a:t>1/17/2024</a:t>
             </a:fld>
             <a:endParaRPr lang="en-US"/>
           </a:p>
@@ -2101,7 +2101,7 @@
           <a:p>
             <a:fld id="{846CE7D5-CF57-46EF-B807-FDD0502418D4}" type="datetimeFigureOut">
               <a:rPr lang="en-US" smtClean="0"/>
-              <a:t>1/16/2024</a:t>
+              <a:t>1/17/2024</a:t>
             </a:fld>
             <a:endParaRPr lang="en-US"/>
           </a:p>
@@ -2356,7 +2356,7 @@
           <a:p>
             <a:fld id="{846CE7D5-CF57-46EF-B807-FDD0502418D4}" type="datetimeFigureOut">
               <a:rPr lang="en-US" smtClean="0"/>
-              <a:t>1/16/2024</a:t>
+              <a:t>1/17/2024</a:t>
             </a:fld>
             <a:endParaRPr lang="en-US"/>
           </a:p>
@@ -2567,7 +2567,7 @@
           <a:p>
             <a:fld id="{846CE7D5-CF57-46EF-B807-FDD0502418D4}" type="datetimeFigureOut">
               <a:rPr lang="en-US" smtClean="0"/>
-              <a:t>1/16/2024</a:t>
+              <a:t>1/17/2024</a:t>
             </a:fld>
             <a:endParaRPr lang="en-US"/>
           </a:p>
@@ -3081,19 +3081,8 @@
                 <a:latin typeface="Times New Roman" panose="02020603050405020304" pitchFamily="18" charset="0"/>
                 <a:cs typeface="Times New Roman" panose="02020603050405020304" pitchFamily="18" charset="0"/>
               </a:rPr>
-              <a:t>Date : 17th January</a:t>
+              <a:t>Date : 17th January, 2024 </a:t>
             </a:r>
-            <a:r>
-              <a:rPr lang="en-IN" sz="2000">
-                <a:latin typeface="Times New Roman" panose="02020603050405020304" pitchFamily="18" charset="0"/>
-                <a:cs typeface="Times New Roman" panose="02020603050405020304" pitchFamily="18" charset="0"/>
-              </a:rPr>
-              <a:t>, 2024 </a:t>
-            </a:r>
-            <a:endParaRPr lang="en-IN" sz="2000" dirty="0">
-              <a:latin typeface="Times New Roman" panose="02020603050405020304" pitchFamily="18" charset="0"/>
-              <a:cs typeface="Times New Roman" panose="02020603050405020304" pitchFamily="18" charset="0"/>
-            </a:endParaRPr>
           </a:p>
         </p:txBody>
       </p:sp>
